--- a/Presentation.pptx
+++ b/Presentation.pptx
@@ -1007,7 +1007,7 @@
   <p:cSld>
     <p:spTree>
       <p:nvGrpSpPr>
-        <p:cNvPr id="292" name="Shape 292"/>
+        <p:cNvPr id="291" name="Shape 291"/>
         <p:cNvGrpSpPr/>
         <p:nvPr/>
       </p:nvGrpSpPr>
@@ -1021,7 +1021,7 @@
       </p:grpSpPr>
       <p:sp>
         <p:nvSpPr>
-          <p:cNvPr id="293" name="Google Shape;293;g808f81cf59_0_278:notes"/>
+          <p:cNvPr id="292" name="Google Shape;292;g808f81cf59_0_278:notes"/>
           <p:cNvSpPr/>
           <p:nvPr>
             <p:ph idx="2" type="sldImg"/>
@@ -1056,7 +1056,7 @@
       </p:sp>
       <p:sp>
         <p:nvSpPr>
-          <p:cNvPr id="294" name="Google Shape;294;g808f81cf59_0_278:notes"/>
+          <p:cNvPr id="293" name="Google Shape;293;g808f81cf59_0_278:notes"/>
           <p:cNvSpPr txBox="1"/>
           <p:nvPr>
             <p:ph idx="1" type="body"/>
@@ -15693,7 +15693,11 @@
             </a:pPr>
             <a:r>
               <a:rPr lang="en"/>
-              <a:t>Santhya </a:t>
+              <a:t>Santhya</a:t>
+            </a:r>
+            <a:r>
+              <a:rPr lang="en"/>
+              <a:t> Selvakularanjan</a:t>
             </a:r>
             <a:endParaRPr/>
           </a:p>
@@ -15877,7 +15881,7 @@
                 <a:cs typeface="Arial"/>
                 <a:sym typeface="Arial"/>
               </a:rPr>
-              <a:t>Once the inventory is received at the docking station, an employee will input each item. From there it goes to the onsite storage facility for their inventory to the department that needs it, to the pharmacy within that department, to the nurse and then to the patient. </a:t>
+              <a:t>Once the inventory is received at the docking station, an employee will input each item. From there it goes to the onsite storage facility for their inventory to the department that needs it, to the pharmacy within that department, to the nurse and then to the patient. With our smart contract all you will need to do is updated the item id’s location each time the inventory is transferred.</a:t>
             </a:r>
             <a:endParaRPr sz="1100">
               <a:solidFill>
@@ -16011,48 +16015,9 @@
           </a:p>
         </p:txBody>
       </p:sp>
-      <p:sp>
-        <p:nvSpPr>
-          <p:cNvPr id="290" name="Google Shape;290;p15"/>
-          <p:cNvSpPr txBox="1"/>
-          <p:nvPr>
-            <p:ph idx="1" type="body"/>
-          </p:nvPr>
-        </p:nvSpPr>
-        <p:spPr>
-          <a:xfrm>
-            <a:off x="1303800" y="1990050"/>
-            <a:ext cx="7030500" cy="2541600"/>
-          </a:xfrm>
-          <a:prstGeom prst="rect">
-            <a:avLst/>
-          </a:prstGeom>
-        </p:spPr>
-        <p:txBody>
-          <a:bodyPr anchorCtr="0" anchor="t" bIns="91425" lIns="91425" spcFirstLastPara="1" rIns="91425" wrap="square" tIns="91425">
-            <a:noAutofit/>
-          </a:bodyPr>
-          <a:lstStyle/>
-          <a:p>
-            <a:pPr indent="0" lvl="0" marL="0" rtl="0" algn="l">
-              <a:spcBef>
-                <a:spcPts val="0"/>
-              </a:spcBef>
-              <a:spcAft>
-                <a:spcPts val="1600"/>
-              </a:spcAft>
-              <a:buNone/>
-            </a:pPr>
-            <a:r>
-              <a:t/>
-            </a:r>
-            <a:endParaRPr/>
-          </a:p>
-        </p:txBody>
-      </p:sp>
       <p:pic>
         <p:nvPicPr>
-          <p:cNvPr id="291" name="Google Shape;291;p15"/>
+          <p:cNvPr id="290" name="Google Shape;290;p15"/>
           <p:cNvPicPr preferRelativeResize="0"/>
           <p:nvPr/>
         </p:nvPicPr>
@@ -16091,7 +16056,7 @@
   <p:cSld>
     <p:spTree>
       <p:nvGrpSpPr>
-        <p:cNvPr id="295" name="Shape 295"/>
+        <p:cNvPr id="294" name="Shape 294"/>
         <p:cNvGrpSpPr/>
         <p:nvPr/>
       </p:nvGrpSpPr>
@@ -16105,7 +16070,7 @@
       </p:grpSpPr>
       <p:sp>
         <p:nvSpPr>
-          <p:cNvPr id="296" name="Google Shape;296;p16"/>
+          <p:cNvPr id="295" name="Google Shape;295;p16"/>
           <p:cNvSpPr txBox="1"/>
           <p:nvPr>
             <p:ph type="title"/>
@@ -16145,7 +16110,7 @@
       </p:sp>
       <p:sp>
         <p:nvSpPr>
-          <p:cNvPr id="297" name="Google Shape;297;p16"/>
+          <p:cNvPr id="296" name="Google Shape;296;p16"/>
           <p:cNvSpPr txBox="1"/>
           <p:nvPr>
             <p:ph idx="1" type="body"/>
@@ -16153,8 +16118,8 @@
         </p:nvSpPr>
         <p:spPr>
           <a:xfrm>
-            <a:off x="1303800" y="1990050"/>
-            <a:ext cx="7030500" cy="2541600"/>
+            <a:off x="6622800" y="1301688"/>
+            <a:ext cx="2380500" cy="2540100"/>
           </a:xfrm>
           <a:prstGeom prst="rect">
             <a:avLst/>
@@ -16166,50 +16131,53 @@
           </a:bodyPr>
           <a:lstStyle/>
           <a:p>
-            <a:pPr indent="0" lvl="0" marL="0" rtl="0" algn="l">
-              <a:spcBef>
-                <a:spcPts val="0"/>
-              </a:spcBef>
-              <a:spcAft>
-                <a:spcPts val="0"/>
-              </a:spcAft>
-              <a:buNone/>
+            <a:pPr indent="-311150" lvl="0" marL="457200" rtl="0" algn="l">
+              <a:spcBef>
+                <a:spcPts val="0"/>
+              </a:spcBef>
+              <a:spcAft>
+                <a:spcPts val="0"/>
+              </a:spcAft>
+              <a:buSzPts val="1300"/>
+              <a:buChar char="●"/>
             </a:pPr>
             <a:r>
               <a:rPr lang="en"/>
-              <a:t>Interactions at front end layer</a:t>
+              <a:t>Interactions at the UI</a:t>
             </a:r>
             <a:endParaRPr/>
           </a:p>
           <a:p>
-            <a:pPr indent="0" lvl="0" marL="0" rtl="0" algn="l">
-              <a:spcBef>
-                <a:spcPts val="1600"/>
-              </a:spcBef>
-              <a:spcAft>
-                <a:spcPts val="0"/>
-              </a:spcAft>
-              <a:buNone/>
+            <a:pPr indent="-311150" lvl="0" marL="457200" rtl="0" algn="l">
+              <a:spcBef>
+                <a:spcPts val="0"/>
+              </a:spcBef>
+              <a:spcAft>
+                <a:spcPts val="0"/>
+              </a:spcAft>
+              <a:buSzPts val="1300"/>
+              <a:buChar char="●"/>
             </a:pPr>
             <a:r>
               <a:rPr lang="en"/>
-              <a:t>What is happening at the backend layer</a:t>
+              <a:t>Use Web3 through python file to add data to the IPFS</a:t>
             </a:r>
             <a:endParaRPr/>
           </a:p>
           <a:p>
-            <a:pPr indent="0" lvl="0" marL="0" rtl="0" algn="l">
-              <a:spcBef>
-                <a:spcPts val="1600"/>
-              </a:spcBef>
-              <a:spcAft>
-                <a:spcPts val="0"/>
-              </a:spcAft>
-              <a:buNone/>
+            <a:pPr indent="-311150" lvl="0" marL="457200" rtl="0" algn="l">
+              <a:spcBef>
+                <a:spcPts val="0"/>
+              </a:spcBef>
+              <a:spcAft>
+                <a:spcPts val="0"/>
+              </a:spcAft>
+              <a:buSzPts val="1300"/>
+              <a:buChar char="●"/>
             </a:pPr>
             <a:r>
               <a:rPr lang="en"/>
-              <a:t>Open up page, input item name and product information, suck into backend, gets the hash, goes to IFPS, pulls metadata, confirmation, yes function kicks off contract to update product, update product adds a new log to the blockchain. </a:t>
+              <a:t>Pull information from IFPS by using URI</a:t>
             </a:r>
             <a:endParaRPr/>
           </a:p>
@@ -16230,6 +16198,34 @@
           </a:p>
         </p:txBody>
       </p:sp>
+      <p:pic>
+        <p:nvPicPr>
+          <p:cNvPr id="297" name="Google Shape;297;p16"/>
+          <p:cNvPicPr preferRelativeResize="0"/>
+          <p:nvPr/>
+        </p:nvPicPr>
+        <p:blipFill>
+          <a:blip r:embed="rId3">
+            <a:alphaModFix/>
+          </a:blip>
+          <a:stretch>
+            <a:fillRect/>
+          </a:stretch>
+        </p:blipFill>
+        <p:spPr>
+          <a:xfrm>
+            <a:off x="589375" y="1657625"/>
+            <a:ext cx="5714650" cy="2872775"/>
+          </a:xfrm>
+          <a:prstGeom prst="rect">
+            <a:avLst/>
+          </a:prstGeom>
+          <a:noFill/>
+          <a:ln>
+            <a:noFill/>
+          </a:ln>
+        </p:spPr>
+      </p:pic>
     </p:spTree>
   </p:cSld>
   <p:clrMapOvr>
@@ -16360,7 +16356,7 @@
             </a:pPr>
             <a:r>
               <a:rPr lang="en"/>
-              <a:t>We will then demonstrate updating an item and exporting the metadata to see the path that the item has taken. </a:t>
+              <a:t>We will then demonstrate updating an item and exporting the metadata to show the information that has been stored.</a:t>
             </a:r>
             <a:endParaRPr/>
           </a:p>
@@ -16376,7 +16372,7 @@
             </a:pPr>
             <a:r>
               <a:rPr lang="en"/>
-              <a:t>Show how an item is deactivated. </a:t>
+              <a:t>Lastly, we will update the item to show inactive. </a:t>
             </a:r>
             <a:endParaRPr/>
           </a:p>
@@ -16599,6 +16595,285 @@
 </file>
 
 <file path=ppt/theme/theme1.xml><?xml version="1.0" encoding="utf-8"?>
+<a:theme xmlns:a="http://schemas.openxmlformats.org/drawingml/2006/main" xmlns:r="http://schemas.openxmlformats.org/officeDocument/2006/relationships">
+  <a:themeElements>
+    <a:clrScheme name="Default">
+      <a:dk1>
+        <a:srgbClr val="000000"/>
+      </a:dk1>
+      <a:lt1>
+        <a:srgbClr val="FFFFFF"/>
+      </a:lt1>
+      <a:dk2>
+        <a:srgbClr val="158158"/>
+      </a:dk2>
+      <a:lt2>
+        <a:srgbClr val="F3F3F3"/>
+      </a:lt2>
+      <a:accent1>
+        <a:srgbClr val="058DC7"/>
+      </a:accent1>
+      <a:accent2>
+        <a:srgbClr val="50B432"/>
+      </a:accent2>
+      <a:accent3>
+        <a:srgbClr val="ED561B"/>
+      </a:accent3>
+      <a:accent4>
+        <a:srgbClr val="EDEF00"/>
+      </a:accent4>
+      <a:accent5>
+        <a:srgbClr val="24CBE5"/>
+      </a:accent5>
+      <a:accent6>
+        <a:srgbClr val="64E572"/>
+      </a:accent6>
+      <a:hlink>
+        <a:srgbClr val="2200CC"/>
+      </a:hlink>
+      <a:folHlink>
+        <a:srgbClr val="551A8B"/>
+      </a:folHlink>
+    </a:clrScheme>
+    <a:fontScheme name="Office">
+      <a:majorFont>
+        <a:latin typeface="Arial"/>
+        <a:ea typeface=""/>
+        <a:cs typeface=""/>
+        <a:font script="Jpan" typeface="ＭＳ Ｐゴシック"/>
+        <a:font script="Hang" typeface="맑은 고딕"/>
+        <a:font script="Hans" typeface="宋体"/>
+        <a:font script="Hant" typeface="新細明體"/>
+        <a:font script="Arab" typeface="Times New Roman"/>
+        <a:font script="Hebr" typeface="Times New Roman"/>
+        <a:font script="Thai" typeface="Angsana New"/>
+        <a:font script="Ethi" typeface="Nyala"/>
+        <a:font script="Beng" typeface="Vrinda"/>
+        <a:font script="Gujr" typeface="Shruti"/>
+        <a:font script="Khmr" typeface="MoolBoran"/>
+        <a:font script="Knda" typeface="Tunga"/>
+        <a:font script="Guru" typeface="Raavi"/>
+        <a:font script="Cans" typeface="Euphemia"/>
+        <a:font script="Cher" typeface="Plantagenet Cherokee"/>
+        <a:font script="Yiii" typeface="Microsoft Yi Baiti"/>
+        <a:font script="Tibt" typeface="Microsoft Himalaya"/>
+        <a:font script="Thaa" typeface="MV Boli"/>
+        <a:font script="Deva" typeface="Mangal"/>
+        <a:font script="Telu" typeface="Gautami"/>
+        <a:font script="Taml" typeface="Latha"/>
+        <a:font script="Syrc" typeface="Estrangelo Edessa"/>
+        <a:font script="Orya" typeface="Kalinga"/>
+        <a:font script="Mlym" typeface="Kartika"/>
+        <a:font script="Laoo" typeface="DokChampa"/>
+        <a:font script="Sinh" typeface="Iskoola Pota"/>
+        <a:font script="Mong" typeface="Mongolian Baiti"/>
+        <a:font script="Viet" typeface="Times New Roman"/>
+        <a:font script="Uigh" typeface="Microsoft Uighur"/>
+        <a:font script="Geor" typeface="Sylfaen"/>
+      </a:majorFont>
+      <a:minorFont>
+        <a:latin typeface="Arial"/>
+        <a:ea typeface=""/>
+        <a:cs typeface=""/>
+        <a:font script="Jpan" typeface="ＭＳ Ｐゴシック"/>
+        <a:font script="Hang" typeface="맑은 고딕"/>
+        <a:font script="Hans" typeface="宋体"/>
+        <a:font script="Hant" typeface="新細明體"/>
+        <a:font script="Arab" typeface="Arial"/>
+        <a:font script="Hebr" typeface="Arial"/>
+        <a:font script="Thai" typeface="Cordia New"/>
+        <a:font script="Ethi" typeface="Nyala"/>
+        <a:font script="Beng" typeface="Vrinda"/>
+        <a:font script="Gujr" typeface="Shruti"/>
+        <a:font script="Khmr" typeface="DaunPenh"/>
+        <a:font script="Knda" typeface="Tunga"/>
+        <a:font script="Guru" typeface="Raavi"/>
+        <a:font script="Cans" typeface="Euphemia"/>
+        <a:font script="Cher" typeface="Plantagenet Cherokee"/>
+        <a:font script="Yiii" typeface="Microsoft Yi Baiti"/>
+        <a:font script="Tibt" typeface="Microsoft Himalaya"/>
+        <a:font script="Thaa" typeface="MV Boli"/>
+        <a:font script="Deva" typeface="Mangal"/>
+        <a:font script="Telu" typeface="Gautami"/>
+        <a:font script="Taml" typeface="Latha"/>
+        <a:font script="Syrc" typeface="Estrangelo Edessa"/>
+        <a:font script="Orya" typeface="Kalinga"/>
+        <a:font script="Mlym" typeface="Kartika"/>
+        <a:font script="Laoo" typeface="DokChampa"/>
+        <a:font script="Sinh" typeface="Iskoola Pota"/>
+        <a:font script="Mong" typeface="Mongolian Baiti"/>
+        <a:font script="Viet" typeface="Arial"/>
+        <a:font script="Uigh" typeface="Microsoft Uighur"/>
+        <a:font script="Geor" typeface="Sylfaen"/>
+      </a:minorFont>
+    </a:fontScheme>
+    <a:fmtScheme name="Office">
+      <a:fillStyleLst>
+        <a:solidFill>
+          <a:schemeClr val="phClr"/>
+        </a:solidFill>
+        <a:gradFill rotWithShape="1">
+          <a:gsLst>
+            <a:gs pos="0">
+              <a:schemeClr val="phClr">
+                <a:tint val="50000"/>
+                <a:satMod val="300000"/>
+              </a:schemeClr>
+            </a:gs>
+            <a:gs pos="35000">
+              <a:schemeClr val="phClr">
+                <a:tint val="37000"/>
+                <a:satMod val="300000"/>
+              </a:schemeClr>
+            </a:gs>
+            <a:gs pos="100000">
+              <a:schemeClr val="phClr">
+                <a:tint val="15000"/>
+                <a:satMod val="350000"/>
+              </a:schemeClr>
+            </a:gs>
+          </a:gsLst>
+          <a:lin ang="16200000" scaled="1"/>
+        </a:gradFill>
+        <a:gradFill rotWithShape="1">
+          <a:gsLst>
+            <a:gs pos="0">
+              <a:schemeClr val="phClr">
+                <a:tint val="100000"/>
+                <a:shade val="100000"/>
+                <a:satMod val="130000"/>
+              </a:schemeClr>
+            </a:gs>
+            <a:gs pos="100000">
+              <a:schemeClr val="phClr">
+                <a:tint val="50000"/>
+                <a:shade val="100000"/>
+                <a:satMod val="350000"/>
+              </a:schemeClr>
+            </a:gs>
+          </a:gsLst>
+          <a:lin ang="16200000" scaled="0"/>
+        </a:gradFill>
+      </a:fillStyleLst>
+      <a:lnStyleLst>
+        <a:ln w="9525" cap="flat" cmpd="sng" algn="ctr">
+          <a:solidFill>
+            <a:schemeClr val="phClr">
+              <a:shade val="95000"/>
+              <a:satMod val="105000"/>
+            </a:schemeClr>
+          </a:solidFill>
+          <a:prstDash val="solid"/>
+        </a:ln>
+        <a:ln w="25400" cap="flat" cmpd="sng" algn="ctr">
+          <a:solidFill>
+            <a:schemeClr val="phClr"/>
+          </a:solidFill>
+          <a:prstDash val="solid"/>
+        </a:ln>
+        <a:ln w="38100" cap="flat" cmpd="sng" algn="ctr">
+          <a:solidFill>
+            <a:schemeClr val="phClr"/>
+          </a:solidFill>
+          <a:prstDash val="solid"/>
+        </a:ln>
+      </a:lnStyleLst>
+      <a:effectStyleLst>
+        <a:effectStyle>
+          <a:effectLst>
+            <a:outerShdw blurRad="40000" dist="20000" dir="5400000" rotWithShape="0">
+              <a:srgbClr val="000000">
+                <a:alpha val="38000"/>
+              </a:srgbClr>
+            </a:outerShdw>
+          </a:effectLst>
+        </a:effectStyle>
+        <a:effectStyle>
+          <a:effectLst>
+            <a:outerShdw blurRad="40000" dist="23000" dir="5400000" rotWithShape="0">
+              <a:srgbClr val="000000">
+                <a:alpha val="35000"/>
+              </a:srgbClr>
+            </a:outerShdw>
+          </a:effectLst>
+        </a:effectStyle>
+        <a:effectStyle>
+          <a:effectLst>
+            <a:outerShdw blurRad="40000" dist="23000" dir="5400000" rotWithShape="0">
+              <a:srgbClr val="000000">
+                <a:alpha val="35000"/>
+              </a:srgbClr>
+            </a:outerShdw>
+          </a:effectLst>
+          <a:scene3d>
+            <a:camera prst="orthographicFront">
+              <a:rot lat="0" lon="0" rev="0"/>
+            </a:camera>
+            <a:lightRig rig="threePt" dir="t">
+              <a:rot lat="0" lon="0" rev="1200000"/>
+            </a:lightRig>
+          </a:scene3d>
+          <a:sp3d>
+            <a:bevelT w="63500" h="25400"/>
+          </a:sp3d>
+        </a:effectStyle>
+      </a:effectStyleLst>
+      <a:bgFillStyleLst>
+        <a:solidFill>
+          <a:schemeClr val="phClr"/>
+        </a:solidFill>
+        <a:gradFill rotWithShape="1">
+          <a:gsLst>
+            <a:gs pos="0">
+              <a:schemeClr val="phClr">
+                <a:tint val="40000"/>
+                <a:satMod val="350000"/>
+              </a:schemeClr>
+            </a:gs>
+            <a:gs pos="40000">
+              <a:schemeClr val="phClr">
+                <a:tint val="45000"/>
+                <a:shade val="99000"/>
+                <a:satMod val="350000"/>
+              </a:schemeClr>
+            </a:gs>
+            <a:gs pos="100000">
+              <a:schemeClr val="phClr">
+                <a:shade val="20000"/>
+                <a:satMod val="255000"/>
+              </a:schemeClr>
+            </a:gs>
+          </a:gsLst>
+          <a:path path="circle">
+            <a:fillToRect l="50000" t="-80000" r="50000" b="180000"/>
+          </a:path>
+        </a:gradFill>
+        <a:gradFill rotWithShape="1">
+          <a:gsLst>
+            <a:gs pos="0">
+              <a:schemeClr val="phClr">
+                <a:tint val="80000"/>
+                <a:satMod val="300000"/>
+              </a:schemeClr>
+            </a:gs>
+            <a:gs pos="100000">
+              <a:schemeClr val="phClr">
+                <a:shade val="30000"/>
+                <a:satMod val="200000"/>
+              </a:schemeClr>
+            </a:gs>
+          </a:gsLst>
+          <a:path path="circle">
+            <a:fillToRect l="50000" t="50000" r="50000" b="50000"/>
+          </a:path>
+        </a:gradFill>
+      </a:bgFillStyleLst>
+    </a:fmtScheme>
+  </a:themeElements>
+</a:theme>
+</file>
+
+<file path=ppt/theme/theme2.xml><?xml version="1.0" encoding="utf-8"?>
 <a:theme xmlns:a="http://schemas.openxmlformats.org/drawingml/2006/main" xmlns:r="http://schemas.openxmlformats.org/officeDocument/2006/relationships" name="Momentum">
   <a:themeElements>
     <a:clrScheme name="Momentum">
@@ -16875,283 +17150,4 @@
     </a:fmtScheme>
   </a:themeElements>
 </a:theme>
-</file>
-
-<file path=ppt/theme/theme2.xml><?xml version="1.0" encoding="utf-8"?>
-<a:theme xmlns:a="http://schemas.openxmlformats.org/drawingml/2006/main" xmlns:r="http://schemas.openxmlformats.org/officeDocument/2006/relationships">
-  <a:themeElements>
-    <a:clrScheme name="Default">
-      <a:dk1>
-        <a:srgbClr val="000000"/>
-      </a:dk1>
-      <a:lt1>
-        <a:srgbClr val="FFFFFF"/>
-      </a:lt1>
-      <a:dk2>
-        <a:srgbClr val="158158"/>
-      </a:dk2>
-      <a:lt2>
-        <a:srgbClr val="F3F3F3"/>
-      </a:lt2>
-      <a:accent1>
-        <a:srgbClr val="058DC7"/>
-      </a:accent1>
-      <a:accent2>
-        <a:srgbClr val="50B432"/>
-      </a:accent2>
-      <a:accent3>
-        <a:srgbClr val="ED561B"/>
-      </a:accent3>
-      <a:accent4>
-        <a:srgbClr val="EDEF00"/>
-      </a:accent4>
-      <a:accent5>
-        <a:srgbClr val="24CBE5"/>
-      </a:accent5>
-      <a:accent6>
-        <a:srgbClr val="64E572"/>
-      </a:accent6>
-      <a:hlink>
-        <a:srgbClr val="2200CC"/>
-      </a:hlink>
-      <a:folHlink>
-        <a:srgbClr val="551A8B"/>
-      </a:folHlink>
-    </a:clrScheme>
-    <a:fontScheme name="Office">
-      <a:majorFont>
-        <a:latin typeface="Arial"/>
-        <a:ea typeface=""/>
-        <a:cs typeface=""/>
-        <a:font script="Jpan" typeface="ＭＳ Ｐゴシック"/>
-        <a:font script="Hang" typeface="맑은 고딕"/>
-        <a:font script="Hans" typeface="宋体"/>
-        <a:font script="Hant" typeface="新細明體"/>
-        <a:font script="Arab" typeface="Times New Roman"/>
-        <a:font script="Hebr" typeface="Times New Roman"/>
-        <a:font script="Thai" typeface="Angsana New"/>
-        <a:font script="Ethi" typeface="Nyala"/>
-        <a:font script="Beng" typeface="Vrinda"/>
-        <a:font script="Gujr" typeface="Shruti"/>
-        <a:font script="Khmr" typeface="MoolBoran"/>
-        <a:font script="Knda" typeface="Tunga"/>
-        <a:font script="Guru" typeface="Raavi"/>
-        <a:font script="Cans" typeface="Euphemia"/>
-        <a:font script="Cher" typeface="Plantagenet Cherokee"/>
-        <a:font script="Yiii" typeface="Microsoft Yi Baiti"/>
-        <a:font script="Tibt" typeface="Microsoft Himalaya"/>
-        <a:font script="Thaa" typeface="MV Boli"/>
-        <a:font script="Deva" typeface="Mangal"/>
-        <a:font script="Telu" typeface="Gautami"/>
-        <a:font script="Taml" typeface="Latha"/>
-        <a:font script="Syrc" typeface="Estrangelo Edessa"/>
-        <a:font script="Orya" typeface="Kalinga"/>
-        <a:font script="Mlym" typeface="Kartika"/>
-        <a:font script="Laoo" typeface="DokChampa"/>
-        <a:font script="Sinh" typeface="Iskoola Pota"/>
-        <a:font script="Mong" typeface="Mongolian Baiti"/>
-        <a:font script="Viet" typeface="Times New Roman"/>
-        <a:font script="Uigh" typeface="Microsoft Uighur"/>
-        <a:font script="Geor" typeface="Sylfaen"/>
-      </a:majorFont>
-      <a:minorFont>
-        <a:latin typeface="Arial"/>
-        <a:ea typeface=""/>
-        <a:cs typeface=""/>
-        <a:font script="Jpan" typeface="ＭＳ Ｐゴシック"/>
-        <a:font script="Hang" typeface="맑은 고딕"/>
-        <a:font script="Hans" typeface="宋体"/>
-        <a:font script="Hant" typeface="新細明體"/>
-        <a:font script="Arab" typeface="Arial"/>
-        <a:font script="Hebr" typeface="Arial"/>
-        <a:font script="Thai" typeface="Cordia New"/>
-        <a:font script="Ethi" typeface="Nyala"/>
-        <a:font script="Beng" typeface="Vrinda"/>
-        <a:font script="Gujr" typeface="Shruti"/>
-        <a:font script="Khmr" typeface="DaunPenh"/>
-        <a:font script="Knda" typeface="Tunga"/>
-        <a:font script="Guru" typeface="Raavi"/>
-        <a:font script="Cans" typeface="Euphemia"/>
-        <a:font script="Cher" typeface="Plantagenet Cherokee"/>
-        <a:font script="Yiii" typeface="Microsoft Yi Baiti"/>
-        <a:font script="Tibt" typeface="Microsoft Himalaya"/>
-        <a:font script="Thaa" typeface="MV Boli"/>
-        <a:font script="Deva" typeface="Mangal"/>
-        <a:font script="Telu" typeface="Gautami"/>
-        <a:font script="Taml" typeface="Latha"/>
-        <a:font script="Syrc" typeface="Estrangelo Edessa"/>
-        <a:font script="Orya" typeface="Kalinga"/>
-        <a:font script="Mlym" typeface="Kartika"/>
-        <a:font script="Laoo" typeface="DokChampa"/>
-        <a:font script="Sinh" typeface="Iskoola Pota"/>
-        <a:font script="Mong" typeface="Mongolian Baiti"/>
-        <a:font script="Viet" typeface="Arial"/>
-        <a:font script="Uigh" typeface="Microsoft Uighur"/>
-        <a:font script="Geor" typeface="Sylfaen"/>
-      </a:minorFont>
-    </a:fontScheme>
-    <a:fmtScheme name="Office">
-      <a:fillStyleLst>
-        <a:solidFill>
-          <a:schemeClr val="phClr"/>
-        </a:solidFill>
-        <a:gradFill rotWithShape="1">
-          <a:gsLst>
-            <a:gs pos="0">
-              <a:schemeClr val="phClr">
-                <a:tint val="50000"/>
-                <a:satMod val="300000"/>
-              </a:schemeClr>
-            </a:gs>
-            <a:gs pos="35000">
-              <a:schemeClr val="phClr">
-                <a:tint val="37000"/>
-                <a:satMod val="300000"/>
-              </a:schemeClr>
-            </a:gs>
-            <a:gs pos="100000">
-              <a:schemeClr val="phClr">
-                <a:tint val="15000"/>
-                <a:satMod val="350000"/>
-              </a:schemeClr>
-            </a:gs>
-          </a:gsLst>
-          <a:lin ang="16200000" scaled="1"/>
-        </a:gradFill>
-        <a:gradFill rotWithShape="1">
-          <a:gsLst>
-            <a:gs pos="0">
-              <a:schemeClr val="phClr">
-                <a:tint val="100000"/>
-                <a:shade val="100000"/>
-                <a:satMod val="130000"/>
-              </a:schemeClr>
-            </a:gs>
-            <a:gs pos="100000">
-              <a:schemeClr val="phClr">
-                <a:tint val="50000"/>
-                <a:shade val="100000"/>
-                <a:satMod val="350000"/>
-              </a:schemeClr>
-            </a:gs>
-          </a:gsLst>
-          <a:lin ang="16200000" scaled="0"/>
-        </a:gradFill>
-      </a:fillStyleLst>
-      <a:lnStyleLst>
-        <a:ln w="9525" cap="flat" cmpd="sng" algn="ctr">
-          <a:solidFill>
-            <a:schemeClr val="phClr">
-              <a:shade val="95000"/>
-              <a:satMod val="105000"/>
-            </a:schemeClr>
-          </a:solidFill>
-          <a:prstDash val="solid"/>
-        </a:ln>
-        <a:ln w="25400" cap="flat" cmpd="sng" algn="ctr">
-          <a:solidFill>
-            <a:schemeClr val="phClr"/>
-          </a:solidFill>
-          <a:prstDash val="solid"/>
-        </a:ln>
-        <a:ln w="38100" cap="flat" cmpd="sng" algn="ctr">
-          <a:solidFill>
-            <a:schemeClr val="phClr"/>
-          </a:solidFill>
-          <a:prstDash val="solid"/>
-        </a:ln>
-      </a:lnStyleLst>
-      <a:effectStyleLst>
-        <a:effectStyle>
-          <a:effectLst>
-            <a:outerShdw blurRad="40000" dist="20000" dir="5400000" rotWithShape="0">
-              <a:srgbClr val="000000">
-                <a:alpha val="38000"/>
-              </a:srgbClr>
-            </a:outerShdw>
-          </a:effectLst>
-        </a:effectStyle>
-        <a:effectStyle>
-          <a:effectLst>
-            <a:outerShdw blurRad="40000" dist="23000" dir="5400000" rotWithShape="0">
-              <a:srgbClr val="000000">
-                <a:alpha val="35000"/>
-              </a:srgbClr>
-            </a:outerShdw>
-          </a:effectLst>
-        </a:effectStyle>
-        <a:effectStyle>
-          <a:effectLst>
-            <a:outerShdw blurRad="40000" dist="23000" dir="5400000" rotWithShape="0">
-              <a:srgbClr val="000000">
-                <a:alpha val="35000"/>
-              </a:srgbClr>
-            </a:outerShdw>
-          </a:effectLst>
-          <a:scene3d>
-            <a:camera prst="orthographicFront">
-              <a:rot lat="0" lon="0" rev="0"/>
-            </a:camera>
-            <a:lightRig rig="threePt" dir="t">
-              <a:rot lat="0" lon="0" rev="1200000"/>
-            </a:lightRig>
-          </a:scene3d>
-          <a:sp3d>
-            <a:bevelT w="63500" h="25400"/>
-          </a:sp3d>
-        </a:effectStyle>
-      </a:effectStyleLst>
-      <a:bgFillStyleLst>
-        <a:solidFill>
-          <a:schemeClr val="phClr"/>
-        </a:solidFill>
-        <a:gradFill rotWithShape="1">
-          <a:gsLst>
-            <a:gs pos="0">
-              <a:schemeClr val="phClr">
-                <a:tint val="40000"/>
-                <a:satMod val="350000"/>
-              </a:schemeClr>
-            </a:gs>
-            <a:gs pos="40000">
-              <a:schemeClr val="phClr">
-                <a:tint val="45000"/>
-                <a:shade val="99000"/>
-                <a:satMod val="350000"/>
-              </a:schemeClr>
-            </a:gs>
-            <a:gs pos="100000">
-              <a:schemeClr val="phClr">
-                <a:shade val="20000"/>
-                <a:satMod val="255000"/>
-              </a:schemeClr>
-            </a:gs>
-          </a:gsLst>
-          <a:path path="circle">
-            <a:fillToRect l="50000" t="-80000" r="50000" b="180000"/>
-          </a:path>
-        </a:gradFill>
-        <a:gradFill rotWithShape="1">
-          <a:gsLst>
-            <a:gs pos="0">
-              <a:schemeClr val="phClr">
-                <a:tint val="80000"/>
-                <a:satMod val="300000"/>
-              </a:schemeClr>
-            </a:gs>
-            <a:gs pos="100000">
-              <a:schemeClr val="phClr">
-                <a:shade val="30000"/>
-                <a:satMod val="200000"/>
-              </a:schemeClr>
-            </a:gs>
-          </a:gsLst>
-          <a:path path="circle">
-            <a:fillToRect l="50000" t="50000" r="50000" b="50000"/>
-          </a:path>
-        </a:gradFill>
-      </a:bgFillStyleLst>
-    </a:fmtScheme>
-  </a:themeElements>
-</a:theme>
 </file>